--- a/Stroke prediction.pptx
+++ b/Stroke prediction.pptx
@@ -9940,6 +9940,23 @@
         <p:txBody>
           <a:bodyPr/>
           <a:lstStyle/>
+          <a:p>
+            <a:r>
+              <a:rPr lang="en-US" dirty="0" err="1"/>
+              <a:t>Github</a:t>
+            </a:r>
+            <a:r>
+              <a:rPr lang="en-US"/>
+              <a:t>: </a:t>
+            </a:r>
+            <a:r>
+              <a:rPr lang="en-US">
+                <a:hlinkClick r:id="rId3"/>
+              </a:rPr>
+              <a:t>https://github.com/yongki0704/Stroke_prediction</a:t>
+            </a:r>
+            <a:endParaRPr lang="en-US"/>
+          </a:p>
           <a:p>
             <a:endParaRPr lang="en-US" dirty="0"/>
           </a:p>
@@ -12250,6 +12267,15 @@
 </file>
 
 <file path=customXml/item2.xml><?xml version="1.0" encoding="utf-8"?>
+<?mso-contentType ?>
+<FormTemplates xmlns="http://schemas.microsoft.com/sharepoint/v3/contenttype/forms">
+  <Display>DocumentLibraryForm</Display>
+  <Edit>DocumentLibraryForm</Edit>
+  <New>DocumentLibraryForm</New>
+</FormTemplates>
+</file>
+
+<file path=customXml/item3.xml><?xml version="1.0" encoding="utf-8"?>
 <p:properties xmlns:p="http://schemas.microsoft.com/office/2006/metadata/properties" xmlns:xsi="http://www.w3.org/2001/XMLSchema-instance" xmlns:pc="http://schemas.microsoft.com/office/infopath/2007/PartnerControls">
   <documentManagement>
     <_ip_UnifiedCompliancePolicyUIAction xmlns="http://schemas.microsoft.com/sharepoint/v3" xsi:nil="true"/>
@@ -12267,15 +12293,6 @@
     <MediaServiceKeyPoints xmlns="71af3243-3dd4-4a8d-8c0d-dd76da1f02a5" xsi:nil="true"/>
   </documentManagement>
 </p:properties>
-</file>
-
-<file path=customXml/item3.xml><?xml version="1.0" encoding="utf-8"?>
-<?mso-contentType ?>
-<FormTemplates xmlns="http://schemas.microsoft.com/sharepoint/v3/contenttype/forms">
-  <Display>DocumentLibraryForm</Display>
-  <Edit>DocumentLibraryForm</Edit>
-  <New>DocumentLibraryForm</New>
-</FormTemplates>
 </file>
 
 <file path=customXml/itemProps1.xml><?xml version="1.0" encoding="utf-8"?>
@@ -12300,6 +12317,14 @@
 </file>
 
 <file path=customXml/itemProps2.xml><?xml version="1.0" encoding="utf-8"?>
+<ds:datastoreItem xmlns:ds="http://schemas.openxmlformats.org/officeDocument/2006/customXml" ds:itemID="{19D1F84C-D1FD-4B1B-9CFD-8E0D96AC4DF2}">
+  <ds:schemaRefs>
+    <ds:schemaRef ds:uri="http://schemas.microsoft.com/sharepoint/v3/contenttype/forms"/>
+  </ds:schemaRefs>
+</ds:datastoreItem>
+</file>
+
+<file path=customXml/itemProps3.xml><?xml version="1.0" encoding="utf-8"?>
 <ds:datastoreItem xmlns:ds="http://schemas.openxmlformats.org/officeDocument/2006/customXml" ds:itemID="{5A00B2AC-C335-4100-B8B3-2D9F49A72906}">
   <ds:schemaRefs>
     <ds:schemaRef ds:uri="http://schemas.microsoft.com/office/2006/metadata/properties"/>
@@ -12311,14 +12336,6 @@
 </ds:datastoreItem>
 </file>
 
-<file path=customXml/itemProps3.xml><?xml version="1.0" encoding="utf-8"?>
-<ds:datastoreItem xmlns:ds="http://schemas.openxmlformats.org/officeDocument/2006/customXml" ds:itemID="{19D1F84C-D1FD-4B1B-9CFD-8E0D96AC4DF2}">
-  <ds:schemaRefs>
-    <ds:schemaRef ds:uri="http://schemas.microsoft.com/sharepoint/v3/contenttype/forms"/>
-  </ds:schemaRefs>
-</ds:datastoreItem>
-</file>
-
 <file path=docMetadata/LabelInfo.xml><?xml version="1.0" encoding="utf-8"?>
 <clbl:labelList xmlns:clbl="http://schemas.microsoft.com/office/2020/mipLabelMetadata"/>
 </file>